--- a/docs/PSI1619I_DuarteCunha_2219096_ApresentaçãoDefesa_2.pptx
+++ b/docs/PSI1619I_DuarteCunha_2219096_ApresentaçãoDefesa_2.pptx
@@ -10201,7 +10201,7 @@
         </p:nvSpPr>
         <p:spPr>
           <a:xfrm>
-            <a:off x="612647" y="6387706"/>
+            <a:off x="725382" y="6387706"/>
             <a:ext cx="1833694" cy="285634"/>
           </a:xfrm>
           <a:prstGeom prst="rect">
@@ -14061,21 +14061,21 @@
 </file>
 
 <file path=customXml/item2.xml><?xml version="1.0" encoding="utf-8"?>
+<p:properties xmlns:p="http://schemas.microsoft.com/office/2006/metadata/properties" xmlns:xsi="http://www.w3.org/2001/XMLSchema-instance" xmlns:pc="http://schemas.microsoft.com/office/infopath/2007/PartnerControls">
+  <documentManagement>
+    <Status xmlns="71af3243-3dd4-4a8d-8c0d-dd76da1f02a5">Not started</Status>
+    <MediaServiceKeyPoints xmlns="71af3243-3dd4-4a8d-8c0d-dd76da1f02a5" xsi:nil="true"/>
+  </documentManagement>
+</p:properties>
+</file>
+
+<file path=customXml/item3.xml><?xml version="1.0" encoding="utf-8"?>
 <?mso-contentType ?>
 <FormTemplates xmlns="http://schemas.microsoft.com/sharepoint/v3/contenttype/forms">
   <Display>DocumentLibraryForm</Display>
   <Edit>DocumentLibraryForm</Edit>
   <New>DocumentLibraryForm</New>
 </FormTemplates>
-</file>
-
-<file path=customXml/item3.xml><?xml version="1.0" encoding="utf-8"?>
-<p:properties xmlns:p="http://schemas.microsoft.com/office/2006/metadata/properties" xmlns:xsi="http://www.w3.org/2001/XMLSchema-instance" xmlns:pc="http://schemas.microsoft.com/office/infopath/2007/PartnerControls">
-  <documentManagement>
-    <Status xmlns="71af3243-3dd4-4a8d-8c0d-dd76da1f02a5">Not started</Status>
-    <MediaServiceKeyPoints xmlns="71af3243-3dd4-4a8d-8c0d-dd76da1f02a5" xsi:nil="true"/>
-  </documentManagement>
-</p:properties>
 </file>
 
 <file path=customXml/itemProps1.xml><?xml version="1.0" encoding="utf-8"?>
@@ -14098,14 +14098,6 @@
 </file>
 
 <file path=customXml/itemProps2.xml><?xml version="1.0" encoding="utf-8"?>
-<ds:datastoreItem xmlns:ds="http://schemas.openxmlformats.org/officeDocument/2006/customXml" ds:itemID="{B927DC71-2909-427C-BDB0-3E47E2101517}">
-  <ds:schemaRefs>
-    <ds:schemaRef ds:uri="http://schemas.microsoft.com/sharepoint/v3/contenttype/forms"/>
-  </ds:schemaRefs>
-</ds:datastoreItem>
-</file>
-
-<file path=customXml/itemProps3.xml><?xml version="1.0" encoding="utf-8"?>
 <ds:datastoreItem xmlns:ds="http://schemas.openxmlformats.org/officeDocument/2006/customXml" ds:itemID="{290D7697-8E53-4EA8-8CBB-9C19575257BF}">
   <ds:schemaRefs>
     <ds:schemaRef ds:uri="http://schemas.microsoft.com/office/2006/metadata/properties"/>
@@ -14113,4 +14105,12 @@
     <ds:schemaRef ds:uri="71af3243-3dd4-4a8d-8c0d-dd76da1f02a5"/>
   </ds:schemaRefs>
 </ds:datastoreItem>
+</file>
+
+<file path=customXml/itemProps3.xml><?xml version="1.0" encoding="utf-8"?>
+<ds:datastoreItem xmlns:ds="http://schemas.openxmlformats.org/officeDocument/2006/customXml" ds:itemID="{B927DC71-2909-427C-BDB0-3E47E2101517}">
+  <ds:schemaRefs>
+    <ds:schemaRef ds:uri="http://schemas.microsoft.com/sharepoint/v3/contenttype/forms"/>
+  </ds:schemaRefs>
+</ds:datastoreItem>
 </file>